--- a/Posters/SURF/Ruby Poster Size.pptx
+++ b/Posters/SURF/Ruby Poster Size.pptx
@@ -1174,20 +1174,17 @@
               <a:rPr lang="en-US" sz="1200" dirty="0">
                 <a:latin typeface="Trebuchet MS" panose="020B0703020202090204" pitchFamily="34" charset="0"/>
               </a:rPr>
-              <a:t>Working titles: Acute stress decrease neuronal communication and excitability in the female rat </a:t>
+              <a:t>Working titles: Acute Stress Decreases Neuronal Communication and Excitability in the Female Rat Dorsomedial Hypothalamus via Endocannabinoid-CB1 Receptor </a:t>
             </a:r>
             <a:r>
               <a:rPr lang="en-US" sz="1200">
                 <a:latin typeface="Trebuchet MS" panose="020B0703020202090204" pitchFamily="34" charset="0"/>
               </a:rPr>
-              <a:t>dorsomedial hypothalamus in </a:t>
-            </a:r>
-            <a:r>
-              <a:rPr lang="en-US" sz="1200" dirty="0">
-                <a:latin typeface="Trebuchet MS" panose="020B0703020202090204" pitchFamily="34" charset="0"/>
-              </a:rPr>
-              <a:t>an CB1 receptor dependent manner</a:t>
-            </a:r>
+              <a:t>Signalling</a:t>
+            </a:r>
+            <a:endParaRPr lang="en-US" sz="1200" dirty="0">
+              <a:latin typeface="Trebuchet MS" panose="020B0703020202090204" pitchFamily="34" charset="0"/>
+            </a:endParaRPr>
           </a:p>
         </p:txBody>
       </p:sp>
